--- a/resources/img_ccstar.pptx
+++ b/resources/img_ccstar.pptx
@@ -259,7 +259,7 @@
           <a:p>
             <a:fld id="{8E5EF151-49BD-0946-9F94-C833372E8A6B}" type="datetimeFigureOut">
               <a:rPr lang="en-US" smtClean="0"/>
-              <a:t>6/22/22</a:t>
+              <a:t>8/28/22</a:t>
             </a:fld>
             <a:endParaRPr lang="en-US"/>
           </a:p>
@@ -457,7 +457,7 @@
           <a:p>
             <a:fld id="{8E5EF151-49BD-0946-9F94-C833372E8A6B}" type="datetimeFigureOut">
               <a:rPr lang="en-US" smtClean="0"/>
-              <a:t>6/22/22</a:t>
+              <a:t>8/28/22</a:t>
             </a:fld>
             <a:endParaRPr lang="en-US"/>
           </a:p>
@@ -665,7 +665,7 @@
           <a:p>
             <a:fld id="{8E5EF151-49BD-0946-9F94-C833372E8A6B}" type="datetimeFigureOut">
               <a:rPr lang="en-US" smtClean="0"/>
-              <a:t>6/22/22</a:t>
+              <a:t>8/28/22</a:t>
             </a:fld>
             <a:endParaRPr lang="en-US"/>
           </a:p>
@@ -863,7 +863,7 @@
           <a:p>
             <a:fld id="{8E5EF151-49BD-0946-9F94-C833372E8A6B}" type="datetimeFigureOut">
               <a:rPr lang="en-US" smtClean="0"/>
-              <a:t>6/22/22</a:t>
+              <a:t>8/28/22</a:t>
             </a:fld>
             <a:endParaRPr lang="en-US"/>
           </a:p>
@@ -1138,7 +1138,7 @@
           <a:p>
             <a:fld id="{8E5EF151-49BD-0946-9F94-C833372E8A6B}" type="datetimeFigureOut">
               <a:rPr lang="en-US" smtClean="0"/>
-              <a:t>6/22/22</a:t>
+              <a:t>8/28/22</a:t>
             </a:fld>
             <a:endParaRPr lang="en-US"/>
           </a:p>
@@ -1403,7 +1403,7 @@
           <a:p>
             <a:fld id="{8E5EF151-49BD-0946-9F94-C833372E8A6B}" type="datetimeFigureOut">
               <a:rPr lang="en-US" smtClean="0"/>
-              <a:t>6/22/22</a:t>
+              <a:t>8/28/22</a:t>
             </a:fld>
             <a:endParaRPr lang="en-US"/>
           </a:p>
@@ -1815,7 +1815,7 @@
           <a:p>
             <a:fld id="{8E5EF151-49BD-0946-9F94-C833372E8A6B}" type="datetimeFigureOut">
               <a:rPr lang="en-US" smtClean="0"/>
-              <a:t>6/22/22</a:t>
+              <a:t>8/28/22</a:t>
             </a:fld>
             <a:endParaRPr lang="en-US"/>
           </a:p>
@@ -1956,7 +1956,7 @@
           <a:p>
             <a:fld id="{8E5EF151-49BD-0946-9F94-C833372E8A6B}" type="datetimeFigureOut">
               <a:rPr lang="en-US" smtClean="0"/>
-              <a:t>6/22/22</a:t>
+              <a:t>8/28/22</a:t>
             </a:fld>
             <a:endParaRPr lang="en-US"/>
           </a:p>
@@ -2069,7 +2069,7 @@
           <a:p>
             <a:fld id="{8E5EF151-49BD-0946-9F94-C833372E8A6B}" type="datetimeFigureOut">
               <a:rPr lang="en-US" smtClean="0"/>
-              <a:t>6/22/22</a:t>
+              <a:t>8/28/22</a:t>
             </a:fld>
             <a:endParaRPr lang="en-US"/>
           </a:p>
@@ -2380,7 +2380,7 @@
           <a:p>
             <a:fld id="{8E5EF151-49BD-0946-9F94-C833372E8A6B}" type="datetimeFigureOut">
               <a:rPr lang="en-US" smtClean="0"/>
-              <a:t>6/22/22</a:t>
+              <a:t>8/28/22</a:t>
             </a:fld>
             <a:endParaRPr lang="en-US"/>
           </a:p>
@@ -2668,7 +2668,7 @@
           <a:p>
             <a:fld id="{8E5EF151-49BD-0946-9F94-C833372E8A6B}" type="datetimeFigureOut">
               <a:rPr lang="en-US" smtClean="0"/>
-              <a:t>6/22/22</a:t>
+              <a:t>8/28/22</a:t>
             </a:fld>
             <a:endParaRPr lang="en-US"/>
           </a:p>
@@ -2909,7 +2909,7 @@
           <a:p>
             <a:fld id="{8E5EF151-49BD-0946-9F94-C833372E8A6B}" type="datetimeFigureOut">
               <a:rPr lang="en-US" smtClean="0"/>
-              <a:t>6/22/22</a:t>
+              <a:t>8/28/22</a:t>
             </a:fld>
             <a:endParaRPr lang="en-US"/>
           </a:p>
@@ -3340,8 +3340,8 @@
         </p:nvSpPr>
         <p:spPr>
           <a:xfrm>
-            <a:off x="2114610" y="993070"/>
-            <a:ext cx="2675284" cy="369332"/>
+            <a:off x="2138118" y="993070"/>
+            <a:ext cx="3461419" cy="369332"/>
           </a:xfrm>
           <a:prstGeom prst="rect">
             <a:avLst/>
@@ -3354,23 +3354,17 @@
           </a:ln>
         </p:spPr>
         <p:txBody>
-          <a:bodyPr wrap="none" rtlCol="0">
+          <a:bodyPr wrap="square" rtlCol="0">
             <a:spAutoFit/>
           </a:bodyPr>
           <a:lstStyle/>
           <a:p>
+            <a:pPr algn="ctr"/>
             <a:r>
               <a:rPr lang="en-US" b="1" dirty="0"/>
-              <a:t>math-</a:t>
-            </a:r>
-            <a:r>
-              <a:rPr lang="en-US" b="1" dirty="0" err="1"/>
-              <a:t>alderaan</a:t>
-            </a:r>
-            <a:r>
-              <a:rPr lang="en-US" dirty="0"/>
-              <a:t> head node</a:t>
-            </a:r>
+              <a:t>CC* cluster head node</a:t>
+            </a:r>
+            <a:endParaRPr lang="en-US" dirty="0"/>
           </a:p>
         </p:txBody>
       </p:sp>
@@ -3388,8 +3382,8 @@
         </p:nvSpPr>
         <p:spPr>
           <a:xfrm>
-            <a:off x="5431020" y="2607108"/>
-            <a:ext cx="1822807" cy="369332"/>
+            <a:off x="2129962" y="2591750"/>
+            <a:ext cx="3498740" cy="369332"/>
           </a:xfrm>
           <a:prstGeom prst="rect">
             <a:avLst/>
@@ -3402,14 +3396,15 @@
           </a:ln>
         </p:spPr>
         <p:txBody>
-          <a:bodyPr wrap="none" rtlCol="0">
+          <a:bodyPr wrap="square" rtlCol="0">
             <a:spAutoFit/>
           </a:bodyPr>
           <a:lstStyle/>
           <a:p>
+            <a:pPr algn="ctr"/>
             <a:r>
               <a:rPr lang="en-US" dirty="0"/>
-              <a:t>SLURM scheduler</a:t>
+              <a:t>Common SLURM scheduler VM</a:t>
             </a:r>
           </a:p>
         </p:txBody>
@@ -3428,8 +3423,8 @@
         </p:nvSpPr>
         <p:spPr>
           <a:xfrm>
-            <a:off x="7908030" y="999754"/>
-            <a:ext cx="2620461" cy="369332"/>
+            <a:off x="2143775" y="1543554"/>
+            <a:ext cx="3484414" cy="369332"/>
           </a:xfrm>
           <a:prstGeom prst="rect">
             <a:avLst/>
@@ -3442,32 +3437,169 @@
           </a:ln>
         </p:spPr>
         <p:txBody>
-          <a:bodyPr wrap="none" rtlCol="0">
+          <a:bodyPr wrap="square" rtlCol="0">
             <a:spAutoFit/>
           </a:bodyPr>
           <a:lstStyle/>
           <a:p>
-            <a:r>
-              <a:rPr lang="en-US" b="1" dirty="0" err="1"/>
-              <a:t>clas</a:t>
-            </a:r>
+            <a:pPr algn="ctr"/>
             <a:r>
               <a:rPr lang="en-US" b="1" dirty="0"/>
-              <a:t>-compute</a:t>
+              <a:t>Legacy </a:t>
             </a:r>
             <a:r>
               <a:rPr lang="en-US" dirty="0"/>
-              <a:t> head node  </a:t>
-            </a:r>
-          </a:p>
-        </p:txBody>
-      </p:sp>
-      <p:sp>
-        <p:nvSpPr>
-          <p:cNvPr id="5" name="TextBox 4">
-            <a:extLst>
-              <a:ext uri="{FF2B5EF4-FFF2-40B4-BE49-F238E27FC236}">
-                <a16:creationId xmlns:a16="http://schemas.microsoft.com/office/drawing/2014/main" id="{D4D3F4C9-E82D-74EC-B72E-5FDA8E439964}"/>
+              <a:t> </a:t>
+            </a:r>
+            <a:r>
+              <a:rPr lang="en-US" b="1" dirty="0"/>
+              <a:t>head node VM</a:t>
+            </a:r>
+            <a:r>
+              <a:rPr lang="en-US" dirty="0"/>
+              <a:t>  </a:t>
+            </a:r>
+          </a:p>
+        </p:txBody>
+      </p:sp>
+      <p:grpSp>
+        <p:nvGrpSpPr>
+          <p:cNvPr id="33" name="Group 32">
+            <a:extLst>
+              <a:ext uri="{FF2B5EF4-FFF2-40B4-BE49-F238E27FC236}">
+                <a16:creationId xmlns:a16="http://schemas.microsoft.com/office/drawing/2014/main" id="{DA68FD7E-58B5-30BE-7F1A-AAF380AE0929}"/>
+              </a:ext>
+            </a:extLst>
+          </p:cNvPr>
+          <p:cNvGrpSpPr/>
+          <p:nvPr/>
+        </p:nvGrpSpPr>
+        <p:grpSpPr>
+          <a:xfrm>
+            <a:off x="2129448" y="3220907"/>
+            <a:ext cx="4042079" cy="1352023"/>
+            <a:chOff x="2114610" y="1602747"/>
+            <a:chExt cx="3071591" cy="1352023"/>
+          </a:xfrm>
+        </p:grpSpPr>
+        <p:sp>
+          <p:nvSpPr>
+            <p:cNvPr id="15" name="TextBox 14">
+              <a:extLst>
+                <a:ext uri="{FF2B5EF4-FFF2-40B4-BE49-F238E27FC236}">
+                  <a16:creationId xmlns:a16="http://schemas.microsoft.com/office/drawing/2014/main" id="{D71D9B9F-9EA3-962D-A0AB-899EE7C908C8}"/>
+                </a:ext>
+              </a:extLst>
+            </p:cNvPr>
+            <p:cNvSpPr txBox="1"/>
+            <p:nvPr/>
+          </p:nvSpPr>
+          <p:spPr>
+            <a:xfrm>
+              <a:off x="2249923" y="1677668"/>
+              <a:ext cx="2936278" cy="1200329"/>
+            </a:xfrm>
+            <a:prstGeom prst="rect">
+              <a:avLst/>
+            </a:prstGeom>
+            <a:noFill/>
+          </p:spPr>
+          <p:txBody>
+            <a:bodyPr wrap="square" rtlCol="0">
+              <a:spAutoFit/>
+            </a:bodyPr>
+            <a:lstStyle/>
+            <a:p>
+              <a:r>
+                <a:rPr lang="en-US" b="1" dirty="0"/>
+                <a:t>CC* cluster </a:t>
+              </a:r>
+              <a:r>
+                <a:rPr lang="en-US" b="1" dirty="0" err="1"/>
+                <a:t>alderaan</a:t>
+              </a:r>
+              <a:r>
+                <a:rPr lang="en-US" b="1" dirty="0"/>
+                <a:t> (2021)</a:t>
+              </a:r>
+            </a:p>
+            <a:p>
+              <a:r>
+                <a:rPr lang="en-US" dirty="0"/>
+                <a:t>2176 AMD 7502 cores</a:t>
+              </a:r>
+            </a:p>
+            <a:p>
+              <a:r>
+                <a:rPr lang="en-US" dirty="0"/>
+                <a:t>20 TB RAM, 4 NVIDIA A-100 GPUs</a:t>
+              </a:r>
+            </a:p>
+            <a:p>
+              <a:r>
+                <a:rPr lang="en-US" dirty="0"/>
+                <a:t>1PB (raw) storage on IB</a:t>
+              </a:r>
+            </a:p>
+          </p:txBody>
+        </p:sp>
+        <p:sp>
+          <p:nvSpPr>
+            <p:cNvPr id="16" name="Rectangle 15">
+              <a:extLst>
+                <a:ext uri="{FF2B5EF4-FFF2-40B4-BE49-F238E27FC236}">
+                  <a16:creationId xmlns:a16="http://schemas.microsoft.com/office/drawing/2014/main" id="{6066ED1F-0534-D050-8785-EC9FACD57241}"/>
+                </a:ext>
+              </a:extLst>
+            </p:cNvPr>
+            <p:cNvSpPr/>
+            <p:nvPr/>
+          </p:nvSpPr>
+          <p:spPr>
+            <a:xfrm>
+              <a:off x="2114610" y="1602747"/>
+              <a:ext cx="2659096" cy="1352023"/>
+            </a:xfrm>
+            <a:prstGeom prst="rect">
+              <a:avLst/>
+            </a:prstGeom>
+            <a:noFill/>
+            <a:ln w="25400">
+              <a:prstDash val="dash"/>
+            </a:ln>
+          </p:spPr>
+          <p:style>
+            <a:lnRef idx="2">
+              <a:schemeClr val="accent1">
+                <a:shade val="50000"/>
+              </a:schemeClr>
+            </a:lnRef>
+            <a:fillRef idx="1">
+              <a:schemeClr val="accent1"/>
+            </a:fillRef>
+            <a:effectRef idx="0">
+              <a:schemeClr val="accent1"/>
+            </a:effectRef>
+            <a:fontRef idx="minor">
+              <a:schemeClr val="lt1"/>
+            </a:fontRef>
+          </p:style>
+          <p:txBody>
+            <a:bodyPr rtlCol="0" anchor="ctr"/>
+            <a:lstStyle/>
+            <a:p>
+              <a:pPr algn="ctr"/>
+              <a:endParaRPr lang="en-US"/>
+            </a:p>
+          </p:txBody>
+        </p:sp>
+      </p:grpSp>
+      <p:sp>
+        <p:nvSpPr>
+          <p:cNvPr id="39" name="TextBox 38">
+            <a:extLst>
+              <a:ext uri="{FF2B5EF4-FFF2-40B4-BE49-F238E27FC236}">
+                <a16:creationId xmlns:a16="http://schemas.microsoft.com/office/drawing/2014/main" id="{896BF986-6796-C28F-3D5D-97E4053443CF}"/>
               </a:ext>
             </a:extLst>
           </p:cNvPr>
@@ -3476,8 +3608,8 @@
         </p:nvSpPr>
         <p:spPr>
           <a:xfrm>
-            <a:off x="2334333" y="3608824"/>
-            <a:ext cx="1950727" cy="369332"/>
+            <a:off x="2138119" y="475270"/>
+            <a:ext cx="3484414" cy="369332"/>
           </a:xfrm>
           <a:prstGeom prst="rect">
             <a:avLst/>
@@ -3490,24 +3622,25 @@
           </a:ln>
         </p:spPr>
         <p:txBody>
-          <a:bodyPr wrap="none" rtlCol="0">
+          <a:bodyPr wrap="square" rtlCol="0">
             <a:spAutoFit/>
           </a:bodyPr>
           <a:lstStyle/>
           <a:p>
+            <a:pPr algn="ctr"/>
             <a:r>
               <a:rPr lang="en-US" dirty="0"/>
-              <a:t>math-alderaan-c32</a:t>
-            </a:r>
-          </a:p>
-        </p:txBody>
-      </p:sp>
-      <p:sp>
-        <p:nvSpPr>
-          <p:cNvPr id="6" name="TextBox 5">
-            <a:extLst>
-              <a:ext uri="{FF2B5EF4-FFF2-40B4-BE49-F238E27FC236}">
-                <a16:creationId xmlns:a16="http://schemas.microsoft.com/office/drawing/2014/main" id="{8F393CCD-DD82-4CD9-1744-780A978D301C}"/>
+              <a:t>Open OnDemand (future) in DMZ</a:t>
+            </a:r>
+          </a:p>
+        </p:txBody>
+      </p:sp>
+      <p:sp>
+        <p:nvSpPr>
+          <p:cNvPr id="10" name="TextBox 9">
+            <a:extLst>
+              <a:ext uri="{FF2B5EF4-FFF2-40B4-BE49-F238E27FC236}">
+                <a16:creationId xmlns:a16="http://schemas.microsoft.com/office/drawing/2014/main" id="{DD959A93-13C8-7DFB-A65B-D560225BC56C}"/>
               </a:ext>
             </a:extLst>
           </p:cNvPr>
@@ -3516,8 +3649,8 @@
         </p:nvSpPr>
         <p:spPr>
           <a:xfrm>
-            <a:off x="2325518" y="2714248"/>
-            <a:ext cx="1968359" cy="369332"/>
+            <a:off x="2109189" y="6180881"/>
+            <a:ext cx="3513344" cy="369332"/>
           </a:xfrm>
           <a:prstGeom prst="rect">
             <a:avLst/>
@@ -3530,65 +3663,156 @@
           </a:ln>
         </p:spPr>
         <p:txBody>
-          <a:bodyPr wrap="none" rtlCol="0">
+          <a:bodyPr wrap="square" rtlCol="0">
             <a:spAutoFit/>
           </a:bodyPr>
           <a:lstStyle/>
           <a:p>
+            <a:pPr algn="ctr"/>
             <a:r>
               <a:rPr lang="en-US" dirty="0"/>
-              <a:t>math-alderaan-c01</a:t>
-            </a:r>
-          </a:p>
-        </p:txBody>
-      </p:sp>
-      <p:cxnSp>
-        <p:nvCxnSpPr>
-          <p:cNvPr id="8" name="Straight Connector 7">
-            <a:extLst>
-              <a:ext uri="{FF2B5EF4-FFF2-40B4-BE49-F238E27FC236}">
-                <a16:creationId xmlns:a16="http://schemas.microsoft.com/office/drawing/2014/main" id="{062FD938-94AC-21BE-90CD-F66AFADA7AFC}"/>
-              </a:ext>
-            </a:extLst>
-          </p:cNvPr>
-          <p:cNvCxnSpPr>
-            <a:cxnSpLocks/>
-          </p:cNvCxnSpPr>
+              <a:t>Common NAS disk arrays 313 TB</a:t>
+            </a:r>
+          </a:p>
+        </p:txBody>
+      </p:sp>
+      <p:grpSp>
+        <p:nvGrpSpPr>
+          <p:cNvPr id="34" name="Group 33">
+            <a:extLst>
+              <a:ext uri="{FF2B5EF4-FFF2-40B4-BE49-F238E27FC236}">
+                <a16:creationId xmlns:a16="http://schemas.microsoft.com/office/drawing/2014/main" id="{1D7ED2CC-21E5-B814-3273-1145FF9F507E}"/>
+              </a:ext>
+            </a:extLst>
+          </p:cNvPr>
+          <p:cNvGrpSpPr/>
           <p:nvPr/>
-        </p:nvCxnSpPr>
-        <p:spPr>
-          <a:xfrm flipV="1">
-            <a:off x="3309696" y="3194385"/>
-            <a:ext cx="0" cy="315685"/>
+        </p:nvGrpSpPr>
+        <p:grpSpPr>
+          <a:xfrm>
+            <a:off x="2109190" y="4813155"/>
+            <a:ext cx="3884859" cy="1477328"/>
+            <a:chOff x="2099214" y="4271857"/>
+            <a:chExt cx="2940279" cy="1477328"/>
           </a:xfrm>
-          <a:prstGeom prst="line">
-            <a:avLst/>
-          </a:prstGeom>
-          <a:ln w="25400">
-            <a:prstDash val="sysDot"/>
-          </a:ln>
-        </p:spPr>
-        <p:style>
-          <a:lnRef idx="1">
-            <a:schemeClr val="accent1"/>
-          </a:lnRef>
-          <a:fillRef idx="0">
-            <a:schemeClr val="accent1"/>
-          </a:fillRef>
-          <a:effectRef idx="0">
-            <a:schemeClr val="accent1"/>
-          </a:effectRef>
-          <a:fontRef idx="minor">
-            <a:schemeClr val="tx1"/>
-          </a:fontRef>
-        </p:style>
-      </p:cxnSp>
-      <p:sp>
-        <p:nvSpPr>
-          <p:cNvPr id="11" name="TextBox 10">
-            <a:extLst>
-              <a:ext uri="{FF2B5EF4-FFF2-40B4-BE49-F238E27FC236}">
-                <a16:creationId xmlns:a16="http://schemas.microsoft.com/office/drawing/2014/main" id="{75D56406-90AF-8A47-27B9-B60481CBB44C}"/>
+        </p:grpSpPr>
+        <p:sp>
+          <p:nvSpPr>
+            <p:cNvPr id="9" name="Rectangle 8">
+              <a:extLst>
+                <a:ext uri="{FF2B5EF4-FFF2-40B4-BE49-F238E27FC236}">
+                  <a16:creationId xmlns:a16="http://schemas.microsoft.com/office/drawing/2014/main" id="{D2D87C90-2BDA-577F-DD48-377556533A99}"/>
+                </a:ext>
+              </a:extLst>
+            </p:cNvPr>
+            <p:cNvSpPr/>
+            <p:nvPr/>
+          </p:nvSpPr>
+          <p:spPr>
+            <a:xfrm>
+              <a:off x="2099214" y="4278844"/>
+              <a:ext cx="2659096" cy="1175572"/>
+            </a:xfrm>
+            <a:prstGeom prst="rect">
+              <a:avLst/>
+            </a:prstGeom>
+            <a:noFill/>
+            <a:ln w="25400">
+              <a:prstDash val="dash"/>
+            </a:ln>
+          </p:spPr>
+          <p:style>
+            <a:lnRef idx="2">
+              <a:schemeClr val="accent1">
+                <a:shade val="50000"/>
+              </a:schemeClr>
+            </a:lnRef>
+            <a:fillRef idx="1">
+              <a:schemeClr val="accent1"/>
+            </a:fillRef>
+            <a:effectRef idx="0">
+              <a:schemeClr val="accent1"/>
+            </a:effectRef>
+            <a:fontRef idx="minor">
+              <a:schemeClr val="lt1"/>
+            </a:fontRef>
+          </p:style>
+          <p:txBody>
+            <a:bodyPr rtlCol="0" anchor="ctr"/>
+            <a:lstStyle/>
+            <a:p>
+              <a:pPr algn="ctr"/>
+              <a:endParaRPr lang="en-US"/>
+            </a:p>
+          </p:txBody>
+        </p:sp>
+        <p:sp>
+          <p:nvSpPr>
+            <p:cNvPr id="19" name="TextBox 18">
+              <a:extLst>
+                <a:ext uri="{FF2B5EF4-FFF2-40B4-BE49-F238E27FC236}">
+                  <a16:creationId xmlns:a16="http://schemas.microsoft.com/office/drawing/2014/main" id="{BC9DED82-A1D6-B34B-4843-3681351D1F7A}"/>
+                </a:ext>
+              </a:extLst>
+            </p:cNvPr>
+            <p:cNvSpPr txBox="1"/>
+            <p:nvPr/>
+          </p:nvSpPr>
+          <p:spPr>
+            <a:xfrm>
+              <a:off x="2261414" y="4271857"/>
+              <a:ext cx="2778079" cy="1477328"/>
+            </a:xfrm>
+            <a:prstGeom prst="rect">
+              <a:avLst/>
+            </a:prstGeom>
+            <a:noFill/>
+          </p:spPr>
+          <p:txBody>
+            <a:bodyPr wrap="square" rtlCol="0">
+              <a:spAutoFit/>
+            </a:bodyPr>
+            <a:lstStyle/>
+            <a:p>
+              <a:r>
+                <a:rPr lang="en-US" b="1" dirty="0"/>
+                <a:t>Legacy clusters</a:t>
+              </a:r>
+              <a:r>
+                <a:rPr lang="en-US" dirty="0"/>
+                <a:t> (2014, 2019)</a:t>
+              </a:r>
+            </a:p>
+            <a:p>
+              <a:r>
+                <a:rPr lang="en-US" dirty="0"/>
+                <a:t>20 cores, 960GB RAM</a:t>
+              </a:r>
+            </a:p>
+            <a:p>
+              <a:r>
+                <a:rPr lang="en-US" dirty="0"/>
+                <a:t>416 cores, 2.7TB RAM</a:t>
+              </a:r>
+            </a:p>
+            <a:p>
+              <a:r>
+                <a:rPr lang="en-US" dirty="0"/>
+                <a:t>48 NVIDIA Fermi GPUs</a:t>
+              </a:r>
+            </a:p>
+            <a:p>
+              <a:endParaRPr lang="en-US" dirty="0"/>
+            </a:p>
+          </p:txBody>
+        </p:sp>
+      </p:grpSp>
+      <p:sp>
+        <p:nvSpPr>
+          <p:cNvPr id="41" name="TextBox 40">
+            <a:extLst>
+              <a:ext uri="{FF2B5EF4-FFF2-40B4-BE49-F238E27FC236}">
+                <a16:creationId xmlns:a16="http://schemas.microsoft.com/office/drawing/2014/main" id="{B1E02A01-1319-B33A-876E-D0DF347C7422}"/>
               </a:ext>
             </a:extLst>
           </p:cNvPr>
@@ -3597,8 +3821,8 @@
         </p:nvSpPr>
         <p:spPr>
           <a:xfrm>
-            <a:off x="2325518" y="5506691"/>
-            <a:ext cx="1992405" cy="369332"/>
+            <a:off x="2129449" y="2037175"/>
+            <a:ext cx="3498740" cy="369332"/>
           </a:xfrm>
           <a:prstGeom prst="rect">
             <a:avLst/>
@@ -3611,24 +3835,37 @@
           </a:ln>
         </p:spPr>
         <p:txBody>
-          <a:bodyPr wrap="none" rtlCol="0">
+          <a:bodyPr wrap="square" rtlCol="0">
             <a:spAutoFit/>
           </a:bodyPr>
           <a:lstStyle/>
           <a:p>
+            <a:pPr algn="ctr"/>
+            <a:r>
+              <a:rPr lang="en-US" b="1" dirty="0"/>
+              <a:t>OSG gateway </a:t>
+            </a:r>
             <a:r>
               <a:rPr lang="en-US" dirty="0"/>
-              <a:t>math-alderaan-h01</a:t>
-            </a:r>
-          </a:p>
-        </p:txBody>
-      </p:sp>
-      <p:sp>
-        <p:nvSpPr>
-          <p:cNvPr id="12" name="TextBox 11">
-            <a:extLst>
-              <a:ext uri="{FF2B5EF4-FFF2-40B4-BE49-F238E27FC236}">
-                <a16:creationId xmlns:a16="http://schemas.microsoft.com/office/drawing/2014/main" id="{14D2E4D5-5B40-97ED-3467-A3A8FB311DD0}"/>
+              <a:t> </a:t>
+            </a:r>
+            <a:r>
+              <a:rPr lang="en-US" b="1" dirty="0"/>
+              <a:t>VM</a:t>
+            </a:r>
+            <a:r>
+              <a:rPr lang="en-US" dirty="0"/>
+              <a:t>  </a:t>
+            </a:r>
+          </a:p>
+        </p:txBody>
+      </p:sp>
+      <p:sp>
+        <p:nvSpPr>
+          <p:cNvPr id="44" name="TextBox 43">
+            <a:extLst>
+              <a:ext uri="{FF2B5EF4-FFF2-40B4-BE49-F238E27FC236}">
+                <a16:creationId xmlns:a16="http://schemas.microsoft.com/office/drawing/2014/main" id="{38AC51BD-A749-EAEF-E6CE-E92D7307DD49}"/>
               </a:ext>
             </a:extLst>
           </p:cNvPr>
@@ -3636,9 +3873,9 @@
           <p:nvPr/>
         </p:nvSpPr>
         <p:spPr>
-          <a:xfrm>
-            <a:off x="2325518" y="6049863"/>
-            <a:ext cx="1992405" cy="369332"/>
+          <a:xfrm rot="5400000">
+            <a:off x="4620245" y="1669628"/>
+            <a:ext cx="2733231" cy="369332"/>
           </a:xfrm>
           <a:prstGeom prst="rect">
             <a:avLst/>
@@ -3651,77 +3888,25 @@
           </a:ln>
         </p:spPr>
         <p:txBody>
-          <a:bodyPr wrap="none" rtlCol="0">
-            <a:spAutoFit/>
-          </a:bodyPr>
-          <a:lstStyle/>
-          <a:p>
-            <a:r>
-              <a:rPr lang="en-US" dirty="0"/>
-              <a:t>math-alderaan-h02</a:t>
-            </a:r>
-          </a:p>
-        </p:txBody>
-      </p:sp>
-      <p:sp>
-        <p:nvSpPr>
-          <p:cNvPr id="14" name="TextBox 13">
-            <a:extLst>
-              <a:ext uri="{FF2B5EF4-FFF2-40B4-BE49-F238E27FC236}">
-                <a16:creationId xmlns:a16="http://schemas.microsoft.com/office/drawing/2014/main" id="{7B67D591-AB4D-FF75-195A-E6E6788F3F53}"/>
-              </a:ext>
-            </a:extLst>
-          </p:cNvPr>
-          <p:cNvSpPr txBox="1"/>
-          <p:nvPr/>
-        </p:nvSpPr>
-        <p:spPr>
-          <a:xfrm>
-            <a:off x="2102569" y="4076910"/>
-            <a:ext cx="2798584" cy="1200329"/>
-          </a:xfrm>
-          <a:prstGeom prst="rect">
-            <a:avLst/>
-          </a:prstGeom>
-          <a:noFill/>
-        </p:spPr>
-        <p:txBody>
           <a:bodyPr wrap="square" rtlCol="0">
             <a:spAutoFit/>
           </a:bodyPr>
           <a:lstStyle/>
           <a:p>
+            <a:pPr algn="ctr"/>
             <a:r>
               <a:rPr lang="en-US" dirty="0"/>
-              <a:t>2 high memory GPU nodes: </a:t>
-            </a:r>
-          </a:p>
-          <a:p>
-            <a:r>
-              <a:rPr lang="en-US" dirty="0"/>
-              <a:t>64 AMD cores each </a:t>
-            </a:r>
-          </a:p>
-          <a:p>
-            <a:r>
-              <a:rPr lang="en-US" dirty="0"/>
-              <a:t>2TB memory</a:t>
-            </a:r>
-          </a:p>
-          <a:p>
-            <a:r>
-              <a:rPr lang="en-US" dirty="0"/>
-              <a:t>2 NVIDIA A100 GPU 40GB</a:t>
-            </a:r>
-          </a:p>
-        </p:txBody>
-      </p:sp>
-      <p:sp>
-        <p:nvSpPr>
-          <p:cNvPr id="15" name="TextBox 14">
-            <a:extLst>
-              <a:ext uri="{FF2B5EF4-FFF2-40B4-BE49-F238E27FC236}">
-                <a16:creationId xmlns:a16="http://schemas.microsoft.com/office/drawing/2014/main" id="{D71D9B9F-9EA3-962D-A0AB-899EE7C908C8}"/>
+              <a:t>Campus IT, Active Directory</a:t>
+            </a:r>
+          </a:p>
+        </p:txBody>
+      </p:sp>
+      <p:sp>
+        <p:nvSpPr>
+          <p:cNvPr id="52" name="TextBox 51">
+            <a:extLst>
+              <a:ext uri="{FF2B5EF4-FFF2-40B4-BE49-F238E27FC236}">
+                <a16:creationId xmlns:a16="http://schemas.microsoft.com/office/drawing/2014/main" id="{125D2F47-4834-4A54-0ADF-3BC1A167895D}"/>
               </a:ext>
             </a:extLst>
           </p:cNvPr>
@@ -3729,209 +3914,9 @@
           <p:nvPr/>
         </p:nvSpPr>
         <p:spPr>
-          <a:xfrm>
-            <a:off x="2259574" y="1703998"/>
-            <a:ext cx="2100244" cy="923330"/>
-          </a:xfrm>
-          <a:prstGeom prst="rect">
-            <a:avLst/>
-          </a:prstGeom>
-          <a:noFill/>
-        </p:spPr>
-        <p:txBody>
-          <a:bodyPr wrap="square" rtlCol="0">
-            <a:spAutoFit/>
-          </a:bodyPr>
-          <a:lstStyle/>
-          <a:p>
-            <a:r>
-              <a:rPr lang="en-US" dirty="0"/>
-              <a:t>32 compute nodes: </a:t>
-            </a:r>
-          </a:p>
-          <a:p>
-            <a:r>
-              <a:rPr lang="en-US" dirty="0"/>
-              <a:t>64 AMD cores each</a:t>
-            </a:r>
-          </a:p>
-          <a:p>
-            <a:r>
-              <a:rPr lang="en-US" dirty="0"/>
-              <a:t>512 GB memory</a:t>
-            </a:r>
-          </a:p>
-        </p:txBody>
-      </p:sp>
-      <p:sp>
-        <p:nvSpPr>
-          <p:cNvPr id="16" name="Rectangle 15">
-            <a:extLst>
-              <a:ext uri="{FF2B5EF4-FFF2-40B4-BE49-F238E27FC236}">
-                <a16:creationId xmlns:a16="http://schemas.microsoft.com/office/drawing/2014/main" id="{6066ED1F-0534-D050-8785-EC9FACD57241}"/>
-              </a:ext>
-            </a:extLst>
-          </p:cNvPr>
-          <p:cNvSpPr/>
-          <p:nvPr/>
-        </p:nvSpPr>
-        <p:spPr>
-          <a:xfrm>
-            <a:off x="2114610" y="1602747"/>
-            <a:ext cx="2659096" cy="4993871"/>
-          </a:xfrm>
-          <a:prstGeom prst="rect">
-            <a:avLst/>
-          </a:prstGeom>
-          <a:noFill/>
-          <a:ln w="25400">
-            <a:prstDash val="dash"/>
-          </a:ln>
-        </p:spPr>
-        <p:style>
-          <a:lnRef idx="2">
-            <a:schemeClr val="accent1">
-              <a:shade val="50000"/>
-            </a:schemeClr>
-          </a:lnRef>
-          <a:fillRef idx="1">
-            <a:schemeClr val="accent1"/>
-          </a:fillRef>
-          <a:effectRef idx="0">
-            <a:schemeClr val="accent1"/>
-          </a:effectRef>
-          <a:fontRef idx="minor">
-            <a:schemeClr val="lt1"/>
-          </a:fontRef>
-        </p:style>
-        <p:txBody>
-          <a:bodyPr rtlCol="0" anchor="ctr"/>
-          <a:lstStyle/>
-          <a:p>
-            <a:pPr algn="ctr"/>
-            <a:endParaRPr lang="en-US"/>
-          </a:p>
-        </p:txBody>
-      </p:sp>
-      <p:sp>
-        <p:nvSpPr>
-          <p:cNvPr id="18" name="Rectangle 17">
-            <a:extLst>
-              <a:ext uri="{FF2B5EF4-FFF2-40B4-BE49-F238E27FC236}">
-                <a16:creationId xmlns:a16="http://schemas.microsoft.com/office/drawing/2014/main" id="{94E5E193-B0F7-DD8D-89E9-D97F2DD7499D}"/>
-              </a:ext>
-            </a:extLst>
-          </p:cNvPr>
-          <p:cNvSpPr/>
-          <p:nvPr/>
-        </p:nvSpPr>
-        <p:spPr>
-          <a:xfrm>
-            <a:off x="7923041" y="4032852"/>
-            <a:ext cx="2675284" cy="2592332"/>
-          </a:xfrm>
-          <a:prstGeom prst="rect">
-            <a:avLst/>
-          </a:prstGeom>
-          <a:noFill/>
-          <a:ln w="25400">
-            <a:prstDash val="dash"/>
-          </a:ln>
-        </p:spPr>
-        <p:style>
-          <a:lnRef idx="2">
-            <a:schemeClr val="accent1">
-              <a:shade val="50000"/>
-            </a:schemeClr>
-          </a:lnRef>
-          <a:fillRef idx="1">
-            <a:schemeClr val="accent1"/>
-          </a:fillRef>
-          <a:effectRef idx="0">
-            <a:schemeClr val="accent1"/>
-          </a:effectRef>
-          <a:fontRef idx="minor">
-            <a:schemeClr val="lt1"/>
-          </a:fontRef>
-        </p:style>
-        <p:txBody>
-          <a:bodyPr rtlCol="0" anchor="ctr"/>
-          <a:lstStyle/>
-          <a:p>
-            <a:pPr algn="ctr"/>
-            <a:endParaRPr lang="en-US"/>
-          </a:p>
-        </p:txBody>
-      </p:sp>
-      <p:sp>
-        <p:nvSpPr>
-          <p:cNvPr id="20" name="TextBox 19">
-            <a:extLst>
-              <a:ext uri="{FF2B5EF4-FFF2-40B4-BE49-F238E27FC236}">
-                <a16:creationId xmlns:a16="http://schemas.microsoft.com/office/drawing/2014/main" id="{A51F3681-5014-3573-B7FA-7E0EC83A5995}"/>
-              </a:ext>
-            </a:extLst>
-          </p:cNvPr>
-          <p:cNvSpPr txBox="1"/>
-          <p:nvPr/>
-        </p:nvSpPr>
-        <p:spPr>
-          <a:xfrm>
-            <a:off x="8020917" y="4025007"/>
-            <a:ext cx="2455611" cy="1200329"/>
-          </a:xfrm>
-          <a:prstGeom prst="rect">
-            <a:avLst/>
-          </a:prstGeom>
-          <a:noFill/>
-        </p:spPr>
-        <p:txBody>
-          <a:bodyPr wrap="square" rtlCol="0">
-            <a:spAutoFit/>
-          </a:bodyPr>
-          <a:lstStyle/>
-          <a:p>
-            <a:r>
-              <a:rPr lang="en-US" dirty="0"/>
-              <a:t>24 compute nodes: </a:t>
-            </a:r>
-          </a:p>
-          <a:p>
-            <a:r>
-              <a:rPr lang="en-US" dirty="0"/>
-              <a:t>16 Intel cores each</a:t>
-            </a:r>
-          </a:p>
-          <a:p>
-            <a:r>
-              <a:rPr lang="en-US" dirty="0"/>
-              <a:t>64 GB memory</a:t>
-            </a:r>
-          </a:p>
-          <a:p>
-            <a:r>
-              <a:rPr lang="en-US" dirty="0"/>
-              <a:t>2 NVIDIA Fermi GPUs</a:t>
-            </a:r>
-          </a:p>
-        </p:txBody>
-      </p:sp>
-      <p:sp>
-        <p:nvSpPr>
-          <p:cNvPr id="21" name="TextBox 20">
-            <a:extLst>
-              <a:ext uri="{FF2B5EF4-FFF2-40B4-BE49-F238E27FC236}">
-                <a16:creationId xmlns:a16="http://schemas.microsoft.com/office/drawing/2014/main" id="{505AB0E2-DCD0-6C72-91FE-53CDA79BCF03}"/>
-              </a:ext>
-            </a:extLst>
-          </p:cNvPr>
-          <p:cNvSpPr txBox="1"/>
-          <p:nvPr/>
-        </p:nvSpPr>
-        <p:spPr>
-          <a:xfrm>
-            <a:off x="8148307" y="6116514"/>
-            <a:ext cx="1727524" cy="369332"/>
+          <a:xfrm rot="5400000">
+            <a:off x="4362541" y="4734040"/>
+            <a:ext cx="3263014" cy="369332"/>
           </a:xfrm>
           <a:prstGeom prst="rect">
             <a:avLst/>
@@ -3944,1163 +3929,16 @@
           </a:ln>
         </p:spPr>
         <p:txBody>
-          <a:bodyPr wrap="none" rtlCol="0">
-            <a:spAutoFit/>
-          </a:bodyPr>
-          <a:lstStyle/>
-          <a:p>
-            <a:r>
-              <a:rPr lang="en-US" dirty="0"/>
-              <a:t>math-colibri-c24</a:t>
-            </a:r>
-          </a:p>
-        </p:txBody>
-      </p:sp>
-      <p:sp>
-        <p:nvSpPr>
-          <p:cNvPr id="22" name="TextBox 21">
-            <a:extLst>
-              <a:ext uri="{FF2B5EF4-FFF2-40B4-BE49-F238E27FC236}">
-                <a16:creationId xmlns:a16="http://schemas.microsoft.com/office/drawing/2014/main" id="{AD910EF0-E852-0A5D-7FA8-5D3FB833BB07}"/>
-              </a:ext>
-            </a:extLst>
-          </p:cNvPr>
-          <p:cNvSpPr txBox="1"/>
-          <p:nvPr/>
-        </p:nvSpPr>
-        <p:spPr>
-          <a:xfrm>
-            <a:off x="8139492" y="5221938"/>
-            <a:ext cx="1727524" cy="369332"/>
-          </a:xfrm>
-          <a:prstGeom prst="rect">
-            <a:avLst/>
-          </a:prstGeom>
-          <a:noFill/>
-          <a:ln w="25400">
-            <a:solidFill>
-              <a:schemeClr val="accent1"/>
-            </a:solidFill>
-          </a:ln>
-        </p:spPr>
-        <p:txBody>
-          <a:bodyPr wrap="none" rtlCol="0">
-            <a:spAutoFit/>
-          </a:bodyPr>
-          <a:lstStyle/>
-          <a:p>
-            <a:r>
-              <a:rPr lang="en-US" dirty="0"/>
-              <a:t>math-colibri-c01</a:t>
-            </a:r>
-          </a:p>
-        </p:txBody>
-      </p:sp>
-      <p:cxnSp>
-        <p:nvCxnSpPr>
-          <p:cNvPr id="23" name="Straight Connector 22">
-            <a:extLst>
-              <a:ext uri="{FF2B5EF4-FFF2-40B4-BE49-F238E27FC236}">
-                <a16:creationId xmlns:a16="http://schemas.microsoft.com/office/drawing/2014/main" id="{5BD81F9E-60A2-07AF-6119-08DA1FF2DE0A}"/>
-              </a:ext>
-            </a:extLst>
-          </p:cNvPr>
-          <p:cNvCxnSpPr>
-            <a:cxnSpLocks/>
-          </p:cNvCxnSpPr>
-          <p:nvPr/>
-        </p:nvCxnSpPr>
-        <p:spPr>
-          <a:xfrm flipV="1">
-            <a:off x="9123670" y="5702075"/>
-            <a:ext cx="0" cy="315685"/>
-          </a:xfrm>
-          <a:prstGeom prst="line">
-            <a:avLst/>
-          </a:prstGeom>
-          <a:ln w="25400">
-            <a:prstDash val="sysDot"/>
-          </a:ln>
-        </p:spPr>
-        <p:style>
-          <a:lnRef idx="1">
-            <a:schemeClr val="accent1"/>
-          </a:lnRef>
-          <a:fillRef idx="0">
-            <a:schemeClr val="accent1"/>
-          </a:fillRef>
-          <a:effectRef idx="0">
-            <a:schemeClr val="accent1"/>
-          </a:effectRef>
-          <a:fontRef idx="minor">
-            <a:schemeClr val="tx1"/>
-          </a:fontRef>
-        </p:style>
-      </p:cxnSp>
-      <p:sp>
-        <p:nvSpPr>
-          <p:cNvPr id="24" name="Rectangle 23">
-            <a:extLst>
-              <a:ext uri="{FF2B5EF4-FFF2-40B4-BE49-F238E27FC236}">
-                <a16:creationId xmlns:a16="http://schemas.microsoft.com/office/drawing/2014/main" id="{BD6F28B8-0EF2-FF72-4F56-9056FBC7725F}"/>
-              </a:ext>
-            </a:extLst>
-          </p:cNvPr>
-          <p:cNvSpPr/>
-          <p:nvPr/>
-        </p:nvSpPr>
-        <p:spPr>
-          <a:xfrm>
-            <a:off x="7907599" y="1643400"/>
-            <a:ext cx="2675284" cy="2152211"/>
-          </a:xfrm>
-          <a:prstGeom prst="rect">
-            <a:avLst/>
-          </a:prstGeom>
-          <a:noFill/>
-          <a:ln w="25400">
-            <a:prstDash val="dash"/>
-          </a:ln>
-        </p:spPr>
-        <p:style>
-          <a:lnRef idx="2">
-            <a:schemeClr val="accent1">
-              <a:shade val="50000"/>
-            </a:schemeClr>
-          </a:lnRef>
-          <a:fillRef idx="1">
-            <a:schemeClr val="accent1"/>
-          </a:fillRef>
-          <a:effectRef idx="0">
-            <a:schemeClr val="accent1"/>
-          </a:effectRef>
-          <a:fontRef idx="minor">
-            <a:schemeClr val="lt1"/>
-          </a:fontRef>
-        </p:style>
-        <p:txBody>
-          <a:bodyPr rtlCol="0" anchor="ctr"/>
-          <a:lstStyle/>
-          <a:p>
-            <a:pPr algn="ctr"/>
-            <a:endParaRPr lang="en-US"/>
-          </a:p>
-        </p:txBody>
-      </p:sp>
-      <p:sp>
-        <p:nvSpPr>
-          <p:cNvPr id="25" name="TextBox 24">
-            <a:extLst>
-              <a:ext uri="{FF2B5EF4-FFF2-40B4-BE49-F238E27FC236}">
-                <a16:creationId xmlns:a16="http://schemas.microsoft.com/office/drawing/2014/main" id="{6D570C43-3773-DD8C-3E97-574AF756F6A5}"/>
-              </a:ext>
-            </a:extLst>
-          </p:cNvPr>
-          <p:cNvSpPr txBox="1"/>
-          <p:nvPr/>
-        </p:nvSpPr>
-        <p:spPr>
-          <a:xfrm>
-            <a:off x="7981816" y="1681019"/>
-            <a:ext cx="2476897" cy="646331"/>
-          </a:xfrm>
-          <a:prstGeom prst="rect">
-            <a:avLst/>
-          </a:prstGeom>
-          <a:noFill/>
-        </p:spPr>
-        <p:txBody>
           <a:bodyPr wrap="square" rtlCol="0">
             <a:spAutoFit/>
           </a:bodyPr>
           <a:lstStyle/>
           <a:p>
+            <a:pPr algn="ctr"/>
             <a:r>
               <a:rPr lang="en-US" dirty="0"/>
-              <a:t>2 interactive nodes: </a:t>
-            </a:r>
-          </a:p>
-          <a:p>
-            <a:r>
-              <a:rPr lang="en-US" dirty="0"/>
-              <a:t>16 Intel cores=32 virtual </a:t>
-            </a:r>
-          </a:p>
-        </p:txBody>
-      </p:sp>
-      <p:sp>
-        <p:nvSpPr>
-          <p:cNvPr id="26" name="TextBox 25">
-            <a:extLst>
-              <a:ext uri="{FF2B5EF4-FFF2-40B4-BE49-F238E27FC236}">
-                <a16:creationId xmlns:a16="http://schemas.microsoft.com/office/drawing/2014/main" id="{DA0F6DDD-88A2-31C7-1F4D-D293F5CD8742}"/>
-              </a:ext>
-            </a:extLst>
-          </p:cNvPr>
-          <p:cNvSpPr txBox="1"/>
-          <p:nvPr/>
-        </p:nvSpPr>
-        <p:spPr>
-          <a:xfrm>
-            <a:off x="8030899" y="2364450"/>
-            <a:ext cx="2337036" cy="646331"/>
-          </a:xfrm>
-          <a:prstGeom prst="rect">
-            <a:avLst/>
-          </a:prstGeom>
-          <a:noFill/>
-          <a:ln w="25400">
-            <a:solidFill>
-              <a:schemeClr val="accent1"/>
-            </a:solidFill>
-          </a:ln>
-        </p:spPr>
-        <p:txBody>
-          <a:bodyPr wrap="square" rtlCol="0">
-            <a:spAutoFit/>
-          </a:bodyPr>
-          <a:lstStyle/>
-          <a:p>
-            <a:r>
-              <a:rPr lang="en-US" dirty="0"/>
-              <a:t>math-colibri-i01 </a:t>
-            </a:r>
-          </a:p>
-          <a:p>
-            <a:r>
-              <a:rPr lang="en-US" dirty="0"/>
-              <a:t>1TB memory</a:t>
-            </a:r>
-          </a:p>
-        </p:txBody>
-      </p:sp>
-      <p:sp>
-        <p:nvSpPr>
-          <p:cNvPr id="27" name="TextBox 26">
-            <a:extLst>
-              <a:ext uri="{FF2B5EF4-FFF2-40B4-BE49-F238E27FC236}">
-                <a16:creationId xmlns:a16="http://schemas.microsoft.com/office/drawing/2014/main" id="{4264BDF4-799A-CFDD-AED8-A4CDBAE3F8C5}"/>
-              </a:ext>
-            </a:extLst>
-          </p:cNvPr>
-          <p:cNvSpPr txBox="1"/>
-          <p:nvPr/>
-        </p:nvSpPr>
-        <p:spPr>
-          <a:xfrm>
-            <a:off x="8030899" y="3103113"/>
-            <a:ext cx="2337036" cy="646331"/>
-          </a:xfrm>
-          <a:prstGeom prst="rect">
-            <a:avLst/>
-          </a:prstGeom>
-          <a:noFill/>
-          <a:ln w="25400">
-            <a:solidFill>
-              <a:schemeClr val="accent1"/>
-            </a:solidFill>
-          </a:ln>
-        </p:spPr>
-        <p:txBody>
-          <a:bodyPr wrap="square" rtlCol="0">
-            <a:spAutoFit/>
-          </a:bodyPr>
-          <a:lstStyle/>
-          <a:p>
-            <a:r>
-              <a:rPr lang="en-US" dirty="0"/>
-              <a:t>math-colibri-i02 </a:t>
-            </a:r>
-          </a:p>
-          <a:p>
-            <a:r>
-              <a:rPr lang="en-US" dirty="0"/>
-              <a:t>192GB memory</a:t>
-            </a:r>
-          </a:p>
-        </p:txBody>
-      </p:sp>
-      <p:sp>
-        <p:nvSpPr>
-          <p:cNvPr id="28" name="Rectangle 27">
-            <a:extLst>
-              <a:ext uri="{FF2B5EF4-FFF2-40B4-BE49-F238E27FC236}">
-                <a16:creationId xmlns:a16="http://schemas.microsoft.com/office/drawing/2014/main" id="{0FA6256F-8685-F652-A41B-AF1A7EE29B50}"/>
-              </a:ext>
-            </a:extLst>
-          </p:cNvPr>
-          <p:cNvSpPr/>
-          <p:nvPr/>
-        </p:nvSpPr>
-        <p:spPr>
-          <a:xfrm>
-            <a:off x="5028599" y="4195080"/>
-            <a:ext cx="2651406" cy="2381590"/>
-          </a:xfrm>
-          <a:prstGeom prst="rect">
-            <a:avLst/>
-          </a:prstGeom>
-          <a:noFill/>
-          <a:ln w="25400">
-            <a:prstDash val="dash"/>
-          </a:ln>
-        </p:spPr>
-        <p:style>
-          <a:lnRef idx="2">
-            <a:schemeClr val="accent1">
-              <a:shade val="50000"/>
-            </a:schemeClr>
-          </a:lnRef>
-          <a:fillRef idx="1">
-            <a:schemeClr val="accent1"/>
-          </a:fillRef>
-          <a:effectRef idx="0">
-            <a:schemeClr val="accent1"/>
-          </a:effectRef>
-          <a:fontRef idx="minor">
-            <a:schemeClr val="lt1"/>
-          </a:fontRef>
-        </p:style>
-        <p:txBody>
-          <a:bodyPr rtlCol="0" anchor="ctr"/>
-          <a:lstStyle/>
-          <a:p>
-            <a:pPr algn="ctr"/>
-            <a:endParaRPr lang="en-US"/>
-          </a:p>
-        </p:txBody>
-      </p:sp>
-      <p:sp>
-        <p:nvSpPr>
-          <p:cNvPr id="29" name="TextBox 28">
-            <a:extLst>
-              <a:ext uri="{FF2B5EF4-FFF2-40B4-BE49-F238E27FC236}">
-                <a16:creationId xmlns:a16="http://schemas.microsoft.com/office/drawing/2014/main" id="{A0E4EAA9-0C21-A010-76D6-8F49DCBD43D6}"/>
-              </a:ext>
-            </a:extLst>
-          </p:cNvPr>
-          <p:cNvSpPr txBox="1"/>
-          <p:nvPr/>
-        </p:nvSpPr>
-        <p:spPr>
-          <a:xfrm>
-            <a:off x="5114618" y="4131889"/>
-            <a:ext cx="2455611" cy="923330"/>
-          </a:xfrm>
-          <a:prstGeom prst="rect">
-            <a:avLst/>
-          </a:prstGeom>
-          <a:noFill/>
-        </p:spPr>
-        <p:txBody>
-          <a:bodyPr wrap="square" rtlCol="0">
-            <a:spAutoFit/>
-          </a:bodyPr>
-          <a:lstStyle/>
-          <a:p>
-            <a:r>
-              <a:rPr lang="en-US" dirty="0"/>
-              <a:t>5 compute nodes: </a:t>
-            </a:r>
-          </a:p>
-          <a:p>
-            <a:r>
-              <a:rPr lang="en-US" dirty="0"/>
-              <a:t>20 Intel cores each</a:t>
-            </a:r>
-          </a:p>
-          <a:p>
-            <a:r>
-              <a:rPr lang="en-US" dirty="0"/>
-              <a:t>192 GB memory</a:t>
-            </a:r>
-          </a:p>
-        </p:txBody>
-      </p:sp>
-      <p:sp>
-        <p:nvSpPr>
-          <p:cNvPr id="30" name="TextBox 29">
-            <a:extLst>
-              <a:ext uri="{FF2B5EF4-FFF2-40B4-BE49-F238E27FC236}">
-                <a16:creationId xmlns:a16="http://schemas.microsoft.com/office/drawing/2014/main" id="{D104F445-F57C-C14A-ACA0-36132B845183}"/>
-              </a:ext>
-            </a:extLst>
-          </p:cNvPr>
-          <p:cNvSpPr txBox="1"/>
-          <p:nvPr/>
-        </p:nvSpPr>
-        <p:spPr>
-          <a:xfrm>
-            <a:off x="5251492" y="6048549"/>
-            <a:ext cx="1649169" cy="369332"/>
-          </a:xfrm>
-          <a:prstGeom prst="rect">
-            <a:avLst/>
-          </a:prstGeom>
-          <a:noFill/>
-          <a:ln w="25400">
-            <a:solidFill>
-              <a:schemeClr val="accent1"/>
-            </a:solidFill>
-          </a:ln>
-        </p:spPr>
-        <p:txBody>
-          <a:bodyPr wrap="none" rtlCol="0">
-            <a:spAutoFit/>
-          </a:bodyPr>
-          <a:lstStyle/>
-          <a:p>
-            <a:r>
-              <a:rPr lang="en-US" dirty="0"/>
-              <a:t>math-score-c05</a:t>
-            </a:r>
-          </a:p>
-        </p:txBody>
-      </p:sp>
-      <p:sp>
-        <p:nvSpPr>
-          <p:cNvPr id="31" name="TextBox 30">
-            <a:extLst>
-              <a:ext uri="{FF2B5EF4-FFF2-40B4-BE49-F238E27FC236}">
-                <a16:creationId xmlns:a16="http://schemas.microsoft.com/office/drawing/2014/main" id="{55A6E8BE-28AE-B3C8-C2D2-92ACC226AAA7}"/>
-              </a:ext>
-            </a:extLst>
-          </p:cNvPr>
-          <p:cNvSpPr txBox="1"/>
-          <p:nvPr/>
-        </p:nvSpPr>
-        <p:spPr>
-          <a:xfrm>
-            <a:off x="5242677" y="5153973"/>
-            <a:ext cx="1649169" cy="369332"/>
-          </a:xfrm>
-          <a:prstGeom prst="rect">
-            <a:avLst/>
-          </a:prstGeom>
-          <a:noFill/>
-          <a:ln w="25400">
-            <a:solidFill>
-              <a:schemeClr val="accent1"/>
-            </a:solidFill>
-          </a:ln>
-        </p:spPr>
-        <p:txBody>
-          <a:bodyPr wrap="none" rtlCol="0">
-            <a:spAutoFit/>
-          </a:bodyPr>
-          <a:lstStyle/>
-          <a:p>
-            <a:r>
-              <a:rPr lang="en-US" dirty="0"/>
-              <a:t>math-score-c01</a:t>
-            </a:r>
-          </a:p>
-        </p:txBody>
-      </p:sp>
-      <p:cxnSp>
-        <p:nvCxnSpPr>
-          <p:cNvPr id="32" name="Straight Connector 31">
-            <a:extLst>
-              <a:ext uri="{FF2B5EF4-FFF2-40B4-BE49-F238E27FC236}">
-                <a16:creationId xmlns:a16="http://schemas.microsoft.com/office/drawing/2014/main" id="{FDECFD75-1BFF-681F-81E2-CF15F6AB42D3}"/>
-              </a:ext>
-            </a:extLst>
-          </p:cNvPr>
-          <p:cNvCxnSpPr>
-            <a:cxnSpLocks/>
-          </p:cNvCxnSpPr>
-          <p:nvPr/>
-        </p:nvCxnSpPr>
-        <p:spPr>
-          <a:xfrm flipV="1">
-            <a:off x="6226855" y="5634110"/>
-            <a:ext cx="0" cy="315685"/>
-          </a:xfrm>
-          <a:prstGeom prst="line">
-            <a:avLst/>
-          </a:prstGeom>
-          <a:ln w="25400">
-            <a:prstDash val="sysDot"/>
-          </a:ln>
-        </p:spPr>
-        <p:style>
-          <a:lnRef idx="1">
-            <a:schemeClr val="accent1"/>
-          </a:lnRef>
-          <a:fillRef idx="0">
-            <a:schemeClr val="accent1"/>
-          </a:fillRef>
-          <a:effectRef idx="0">
-            <a:schemeClr val="accent1"/>
-          </a:effectRef>
-          <a:fontRef idx="minor">
-            <a:schemeClr val="tx1"/>
-          </a:fontRef>
-        </p:style>
-      </p:cxnSp>
-      <p:sp>
-        <p:nvSpPr>
-          <p:cNvPr id="35" name="Down Arrow 34">
-            <a:extLst>
-              <a:ext uri="{FF2B5EF4-FFF2-40B4-BE49-F238E27FC236}">
-                <a16:creationId xmlns:a16="http://schemas.microsoft.com/office/drawing/2014/main" id="{BA38FA98-339D-9A94-4793-A7745C9226AE}"/>
-              </a:ext>
-            </a:extLst>
-          </p:cNvPr>
-          <p:cNvSpPr/>
-          <p:nvPr/>
-        </p:nvSpPr>
-        <p:spPr>
-          <a:xfrm>
-            <a:off x="6092846" y="1451659"/>
-            <a:ext cx="230619" cy="1044643"/>
-          </a:xfrm>
-          <a:prstGeom prst="downArrow">
-            <a:avLst/>
-          </a:prstGeom>
-          <a:noFill/>
-          <a:ln>
-            <a:prstDash val="dash"/>
-          </a:ln>
-        </p:spPr>
-        <p:style>
-          <a:lnRef idx="2">
-            <a:schemeClr val="accent1">
-              <a:shade val="50000"/>
-            </a:schemeClr>
-          </a:lnRef>
-          <a:fillRef idx="1">
-            <a:schemeClr val="accent1"/>
-          </a:fillRef>
-          <a:effectRef idx="0">
-            <a:schemeClr val="accent1"/>
-          </a:effectRef>
-          <a:fontRef idx="minor">
-            <a:schemeClr val="lt1"/>
-          </a:fontRef>
-        </p:style>
-        <p:txBody>
-          <a:bodyPr rtlCol="0" anchor="ctr"/>
-          <a:lstStyle/>
-          <a:p>
-            <a:pPr algn="ctr"/>
-            <a:endParaRPr lang="en-US"/>
-          </a:p>
-        </p:txBody>
-      </p:sp>
-      <p:sp>
-        <p:nvSpPr>
-          <p:cNvPr id="36" name="Down Arrow 35">
-            <a:extLst>
-              <a:ext uri="{FF2B5EF4-FFF2-40B4-BE49-F238E27FC236}">
-                <a16:creationId xmlns:a16="http://schemas.microsoft.com/office/drawing/2014/main" id="{8F3D5A88-5187-DEFA-6C3B-E2B450883F22}"/>
-              </a:ext>
-            </a:extLst>
-          </p:cNvPr>
-          <p:cNvSpPr/>
-          <p:nvPr/>
-        </p:nvSpPr>
-        <p:spPr>
-          <a:xfrm rot="19461361">
-            <a:off x="5204339" y="1207160"/>
-            <a:ext cx="249753" cy="1502674"/>
-          </a:xfrm>
-          <a:prstGeom prst="downArrow">
-            <a:avLst/>
-          </a:prstGeom>
-        </p:spPr>
-        <p:style>
-          <a:lnRef idx="2">
-            <a:schemeClr val="accent1">
-              <a:shade val="50000"/>
-            </a:schemeClr>
-          </a:lnRef>
-          <a:fillRef idx="1">
-            <a:schemeClr val="accent1"/>
-          </a:fillRef>
-          <a:effectRef idx="0">
-            <a:schemeClr val="accent1"/>
-          </a:effectRef>
-          <a:fontRef idx="minor">
-            <a:schemeClr val="lt1"/>
-          </a:fontRef>
-        </p:style>
-        <p:txBody>
-          <a:bodyPr rtlCol="0" anchor="ctr"/>
-          <a:lstStyle/>
-          <a:p>
-            <a:pPr algn="ctr"/>
-            <a:endParaRPr lang="en-US"/>
-          </a:p>
-        </p:txBody>
-      </p:sp>
-      <p:sp>
-        <p:nvSpPr>
-          <p:cNvPr id="37" name="Down Arrow 36">
-            <a:extLst>
-              <a:ext uri="{FF2B5EF4-FFF2-40B4-BE49-F238E27FC236}">
-                <a16:creationId xmlns:a16="http://schemas.microsoft.com/office/drawing/2014/main" id="{FAB9785B-789C-6B6F-5536-2F8BF35135F5}"/>
-              </a:ext>
-            </a:extLst>
-          </p:cNvPr>
-          <p:cNvSpPr/>
-          <p:nvPr/>
-        </p:nvSpPr>
-        <p:spPr>
-          <a:xfrm rot="19396574">
-            <a:off x="7347246" y="2853588"/>
-            <a:ext cx="233357" cy="1722678"/>
-          </a:xfrm>
-          <a:prstGeom prst="downArrow">
-            <a:avLst/>
-          </a:prstGeom>
-        </p:spPr>
-        <p:style>
-          <a:lnRef idx="2">
-            <a:schemeClr val="accent1">
-              <a:shade val="50000"/>
-            </a:schemeClr>
-          </a:lnRef>
-          <a:fillRef idx="1">
-            <a:schemeClr val="accent1"/>
-          </a:fillRef>
-          <a:effectRef idx="0">
-            <a:schemeClr val="accent1"/>
-          </a:effectRef>
-          <a:fontRef idx="minor">
-            <a:schemeClr val="lt1"/>
-          </a:fontRef>
-        </p:style>
-        <p:txBody>
-          <a:bodyPr rtlCol="0" anchor="ctr"/>
-          <a:lstStyle/>
-          <a:p>
-            <a:pPr algn="ctr"/>
-            <a:endParaRPr lang="en-US"/>
-          </a:p>
-        </p:txBody>
-      </p:sp>
-      <p:sp>
-        <p:nvSpPr>
-          <p:cNvPr id="38" name="Down Arrow 37">
-            <a:extLst>
-              <a:ext uri="{FF2B5EF4-FFF2-40B4-BE49-F238E27FC236}">
-                <a16:creationId xmlns:a16="http://schemas.microsoft.com/office/drawing/2014/main" id="{95F50C6F-2620-031A-BA40-EB4DA075662D}"/>
-              </a:ext>
-            </a:extLst>
-          </p:cNvPr>
-          <p:cNvSpPr/>
-          <p:nvPr/>
-        </p:nvSpPr>
-        <p:spPr>
-          <a:xfrm rot="2455463">
-            <a:off x="7189223" y="1107283"/>
-            <a:ext cx="231246" cy="1645393"/>
-          </a:xfrm>
-          <a:prstGeom prst="downArrow">
-            <a:avLst/>
-          </a:prstGeom>
-        </p:spPr>
-        <p:style>
-          <a:lnRef idx="2">
-            <a:schemeClr val="accent1">
-              <a:shade val="50000"/>
-            </a:schemeClr>
-          </a:lnRef>
-          <a:fillRef idx="1">
-            <a:schemeClr val="accent1"/>
-          </a:fillRef>
-          <a:effectRef idx="0">
-            <a:schemeClr val="accent1"/>
-          </a:effectRef>
-          <a:fontRef idx="minor">
-            <a:schemeClr val="lt1"/>
-          </a:fontRef>
-        </p:style>
-        <p:txBody>
-          <a:bodyPr rtlCol="0" anchor="ctr"/>
-          <a:lstStyle/>
-          <a:p>
-            <a:pPr algn="ctr"/>
-            <a:endParaRPr lang="en-US"/>
-          </a:p>
-        </p:txBody>
-      </p:sp>
-      <p:sp>
-        <p:nvSpPr>
-          <p:cNvPr id="39" name="TextBox 38">
-            <a:extLst>
-              <a:ext uri="{FF2B5EF4-FFF2-40B4-BE49-F238E27FC236}">
-                <a16:creationId xmlns:a16="http://schemas.microsoft.com/office/drawing/2014/main" id="{896BF986-6796-C28F-3D5D-97E4053443CF}"/>
-              </a:ext>
-            </a:extLst>
-          </p:cNvPr>
-          <p:cNvSpPr txBox="1"/>
-          <p:nvPr/>
-        </p:nvSpPr>
-        <p:spPr>
-          <a:xfrm>
-            <a:off x="5081925" y="997292"/>
-            <a:ext cx="2607189" cy="369332"/>
-          </a:xfrm>
-          <a:prstGeom prst="rect">
-            <a:avLst/>
-          </a:prstGeom>
-          <a:noFill/>
-          <a:ln w="25400">
-            <a:solidFill>
-              <a:schemeClr val="accent1"/>
-            </a:solidFill>
-          </a:ln>
-        </p:spPr>
-        <p:txBody>
-          <a:bodyPr wrap="none" rtlCol="0">
-            <a:spAutoFit/>
-          </a:bodyPr>
-          <a:lstStyle/>
-          <a:p>
-            <a:r>
-              <a:rPr lang="en-US" b="1" dirty="0"/>
-              <a:t>Interactive web front end</a:t>
-            </a:r>
-            <a:endParaRPr lang="en-US" dirty="0"/>
-          </a:p>
-        </p:txBody>
-      </p:sp>
-      <p:sp>
-        <p:nvSpPr>
-          <p:cNvPr id="40" name="Down Arrow 39">
-            <a:extLst>
-              <a:ext uri="{FF2B5EF4-FFF2-40B4-BE49-F238E27FC236}">
-                <a16:creationId xmlns:a16="http://schemas.microsoft.com/office/drawing/2014/main" id="{FDC4A41D-C839-1935-E18A-E9B77B83EA41}"/>
-              </a:ext>
-            </a:extLst>
-          </p:cNvPr>
-          <p:cNvSpPr/>
-          <p:nvPr/>
-        </p:nvSpPr>
-        <p:spPr>
-          <a:xfrm>
-            <a:off x="6074145" y="3063281"/>
-            <a:ext cx="268018" cy="1040358"/>
-          </a:xfrm>
-          <a:prstGeom prst="downArrow">
-            <a:avLst/>
-          </a:prstGeom>
-        </p:spPr>
-        <p:style>
-          <a:lnRef idx="2">
-            <a:schemeClr val="accent1">
-              <a:shade val="50000"/>
-            </a:schemeClr>
-          </a:lnRef>
-          <a:fillRef idx="1">
-            <a:schemeClr val="accent1"/>
-          </a:fillRef>
-          <a:effectRef idx="0">
-            <a:schemeClr val="accent1"/>
-          </a:effectRef>
-          <a:fontRef idx="minor">
-            <a:schemeClr val="lt1"/>
-          </a:fontRef>
-        </p:style>
-        <p:txBody>
-          <a:bodyPr rtlCol="0" anchor="ctr"/>
-          <a:lstStyle/>
-          <a:p>
-            <a:pPr algn="ctr"/>
-            <a:endParaRPr lang="en-US"/>
-          </a:p>
-        </p:txBody>
-      </p:sp>
-      <p:sp>
-        <p:nvSpPr>
-          <p:cNvPr id="43" name="Up-Down Arrow 42">
-            <a:extLst>
-              <a:ext uri="{FF2B5EF4-FFF2-40B4-BE49-F238E27FC236}">
-                <a16:creationId xmlns:a16="http://schemas.microsoft.com/office/drawing/2014/main" id="{47F67FD6-D6D1-99A5-D329-0FB109EA61D3}"/>
-              </a:ext>
-            </a:extLst>
-          </p:cNvPr>
-          <p:cNvSpPr/>
-          <p:nvPr/>
-        </p:nvSpPr>
-        <p:spPr>
-          <a:xfrm rot="2254311">
-            <a:off x="4902903" y="1236718"/>
-            <a:ext cx="238234" cy="1580031"/>
-          </a:xfrm>
-          <a:prstGeom prst="upDownArrow">
-            <a:avLst/>
-          </a:prstGeom>
-          <a:noFill/>
-          <a:ln>
-            <a:prstDash val="dash"/>
-          </a:ln>
-        </p:spPr>
-        <p:style>
-          <a:lnRef idx="2">
-            <a:schemeClr val="accent1">
-              <a:shade val="50000"/>
-            </a:schemeClr>
-          </a:lnRef>
-          <a:fillRef idx="1">
-            <a:schemeClr val="accent1"/>
-          </a:fillRef>
-          <a:effectRef idx="0">
-            <a:schemeClr val="accent1"/>
-          </a:effectRef>
-          <a:fontRef idx="minor">
-            <a:schemeClr val="lt1"/>
-          </a:fontRef>
-        </p:style>
-        <p:txBody>
-          <a:bodyPr rtlCol="0" anchor="ctr"/>
-          <a:lstStyle/>
-          <a:p>
-            <a:pPr algn="ctr"/>
-            <a:endParaRPr lang="en-US"/>
-          </a:p>
-        </p:txBody>
-      </p:sp>
-      <p:sp>
-        <p:nvSpPr>
-          <p:cNvPr id="45" name="Down Arrow 44">
-            <a:extLst>
-              <a:ext uri="{FF2B5EF4-FFF2-40B4-BE49-F238E27FC236}">
-                <a16:creationId xmlns:a16="http://schemas.microsoft.com/office/drawing/2014/main" id="{2339A822-B676-D937-FBD0-5728FFE8F642}"/>
-              </a:ext>
-            </a:extLst>
-          </p:cNvPr>
-          <p:cNvSpPr/>
-          <p:nvPr/>
-        </p:nvSpPr>
-        <p:spPr>
-          <a:xfrm rot="3304971">
-            <a:off x="5144652" y="2820295"/>
-            <a:ext cx="285551" cy="1218444"/>
-          </a:xfrm>
-          <a:prstGeom prst="downArrow">
-            <a:avLst/>
-          </a:prstGeom>
-        </p:spPr>
-        <p:style>
-          <a:lnRef idx="2">
-            <a:schemeClr val="accent1">
-              <a:shade val="50000"/>
-            </a:schemeClr>
-          </a:lnRef>
-          <a:fillRef idx="1">
-            <a:schemeClr val="accent1"/>
-          </a:fillRef>
-          <a:effectRef idx="0">
-            <a:schemeClr val="accent1"/>
-          </a:effectRef>
-          <a:fontRef idx="minor">
-            <a:schemeClr val="lt1"/>
-          </a:fontRef>
-        </p:style>
-        <p:txBody>
-          <a:bodyPr rtlCol="0" anchor="ctr"/>
-          <a:lstStyle/>
-          <a:p>
-            <a:pPr algn="ctr"/>
-            <a:endParaRPr lang="en-US"/>
-          </a:p>
-        </p:txBody>
-      </p:sp>
-      <p:sp>
-        <p:nvSpPr>
-          <p:cNvPr id="46" name="Up-Down Arrow 45">
-            <a:extLst>
-              <a:ext uri="{FF2B5EF4-FFF2-40B4-BE49-F238E27FC236}">
-                <a16:creationId xmlns:a16="http://schemas.microsoft.com/office/drawing/2014/main" id="{E32659C5-852C-3CD8-467A-2214B4C837F6}"/>
-              </a:ext>
-            </a:extLst>
-          </p:cNvPr>
-          <p:cNvSpPr/>
-          <p:nvPr/>
-        </p:nvSpPr>
-        <p:spPr>
-          <a:xfrm>
-            <a:off x="9071190" y="307548"/>
-            <a:ext cx="195639" cy="628047"/>
-          </a:xfrm>
-          <a:prstGeom prst="upDownArrow">
-            <a:avLst/>
-          </a:prstGeom>
-        </p:spPr>
-        <p:style>
-          <a:lnRef idx="2">
-            <a:schemeClr val="accent1">
-              <a:shade val="50000"/>
-            </a:schemeClr>
-          </a:lnRef>
-          <a:fillRef idx="1">
-            <a:schemeClr val="accent1"/>
-          </a:fillRef>
-          <a:effectRef idx="0">
-            <a:schemeClr val="accent1"/>
-          </a:effectRef>
-          <a:fontRef idx="minor">
-            <a:schemeClr val="lt1"/>
-          </a:fontRef>
-        </p:style>
-        <p:txBody>
-          <a:bodyPr rtlCol="0" anchor="ctr"/>
-          <a:lstStyle/>
-          <a:p>
-            <a:pPr algn="ctr"/>
-            <a:endParaRPr lang="en-US"/>
-          </a:p>
-        </p:txBody>
-      </p:sp>
-      <p:sp>
-        <p:nvSpPr>
-          <p:cNvPr id="47" name="Up-Down Arrow 46">
-            <a:extLst>
-              <a:ext uri="{FF2B5EF4-FFF2-40B4-BE49-F238E27FC236}">
-                <a16:creationId xmlns:a16="http://schemas.microsoft.com/office/drawing/2014/main" id="{1BA3ACDC-41B1-54D1-F2EE-F41A57DE955B}"/>
-              </a:ext>
-            </a:extLst>
-          </p:cNvPr>
-          <p:cNvSpPr/>
-          <p:nvPr/>
-        </p:nvSpPr>
-        <p:spPr>
-          <a:xfrm>
-            <a:off x="6136063" y="281330"/>
-            <a:ext cx="195639" cy="628047"/>
-          </a:xfrm>
-          <a:prstGeom prst="upDownArrow">
-            <a:avLst/>
-          </a:prstGeom>
-          <a:noFill/>
-          <a:ln>
-            <a:prstDash val="dash"/>
-          </a:ln>
-        </p:spPr>
-        <p:style>
-          <a:lnRef idx="2">
-            <a:schemeClr val="accent1">
-              <a:shade val="50000"/>
-            </a:schemeClr>
-          </a:lnRef>
-          <a:fillRef idx="1">
-            <a:schemeClr val="accent1"/>
-          </a:fillRef>
-          <a:effectRef idx="0">
-            <a:schemeClr val="accent1"/>
-          </a:effectRef>
-          <a:fontRef idx="minor">
-            <a:schemeClr val="lt1"/>
-          </a:fontRef>
-        </p:style>
-        <p:txBody>
-          <a:bodyPr rtlCol="0" anchor="ctr"/>
-          <a:lstStyle/>
-          <a:p>
-            <a:pPr algn="ctr"/>
-            <a:endParaRPr lang="en-US"/>
-          </a:p>
-        </p:txBody>
-      </p:sp>
-      <p:sp>
-        <p:nvSpPr>
-          <p:cNvPr id="48" name="Up-Down Arrow 47">
-            <a:extLst>
-              <a:ext uri="{FF2B5EF4-FFF2-40B4-BE49-F238E27FC236}">
-                <a16:creationId xmlns:a16="http://schemas.microsoft.com/office/drawing/2014/main" id="{6FB8F7EC-DE36-D707-36BB-E41C07E29B9C}"/>
-              </a:ext>
-            </a:extLst>
-          </p:cNvPr>
-          <p:cNvSpPr/>
-          <p:nvPr/>
-        </p:nvSpPr>
-        <p:spPr>
-          <a:xfrm>
-            <a:off x="3309696" y="268743"/>
-            <a:ext cx="195639" cy="628047"/>
-          </a:xfrm>
-          <a:prstGeom prst="upDownArrow">
-            <a:avLst/>
-          </a:prstGeom>
-        </p:spPr>
-        <p:style>
-          <a:lnRef idx="2">
-            <a:schemeClr val="accent1">
-              <a:shade val="50000"/>
-            </a:schemeClr>
-          </a:lnRef>
-          <a:fillRef idx="1">
-            <a:schemeClr val="accent1"/>
-          </a:fillRef>
-          <a:effectRef idx="0">
-            <a:schemeClr val="accent1"/>
-          </a:effectRef>
-          <a:fontRef idx="minor">
-            <a:schemeClr val="lt1"/>
-          </a:fontRef>
-        </p:style>
-        <p:txBody>
-          <a:bodyPr rtlCol="0" anchor="ctr"/>
-          <a:lstStyle/>
-          <a:p>
-            <a:pPr algn="ctr"/>
-            <a:endParaRPr lang="en-US"/>
-          </a:p>
-        </p:txBody>
-      </p:sp>
-      <p:sp>
-        <p:nvSpPr>
-          <p:cNvPr id="49" name="TextBox 48">
-            <a:extLst>
-              <a:ext uri="{FF2B5EF4-FFF2-40B4-BE49-F238E27FC236}">
-                <a16:creationId xmlns:a16="http://schemas.microsoft.com/office/drawing/2014/main" id="{21A9653C-EEE2-5055-904A-A0D95300103F}"/>
-              </a:ext>
-            </a:extLst>
-          </p:cNvPr>
-          <p:cNvSpPr txBox="1"/>
-          <p:nvPr/>
-        </p:nvSpPr>
-        <p:spPr>
-          <a:xfrm>
-            <a:off x="9266829" y="389287"/>
-            <a:ext cx="486030" cy="369332"/>
-          </a:xfrm>
-          <a:prstGeom prst="rect">
-            <a:avLst/>
-          </a:prstGeom>
-          <a:noFill/>
-        </p:spPr>
-        <p:txBody>
-          <a:bodyPr wrap="none" rtlCol="0">
-            <a:spAutoFit/>
-          </a:bodyPr>
-          <a:lstStyle/>
-          <a:p>
-            <a:r>
-              <a:rPr lang="en-US" dirty="0" err="1"/>
-              <a:t>ssh</a:t>
-            </a:r>
-            <a:endParaRPr lang="en-US" dirty="0"/>
-          </a:p>
-        </p:txBody>
-      </p:sp>
-      <p:sp>
-        <p:nvSpPr>
-          <p:cNvPr id="50" name="TextBox 49">
-            <a:extLst>
-              <a:ext uri="{FF2B5EF4-FFF2-40B4-BE49-F238E27FC236}">
-                <a16:creationId xmlns:a16="http://schemas.microsoft.com/office/drawing/2014/main" id="{C66EF9BF-5D53-3B71-70F6-8C8D3B88E240}"/>
-              </a:ext>
-            </a:extLst>
-          </p:cNvPr>
-          <p:cNvSpPr txBox="1"/>
-          <p:nvPr/>
-        </p:nvSpPr>
-        <p:spPr>
-          <a:xfrm>
-            <a:off x="3481316" y="364410"/>
-            <a:ext cx="486030" cy="369332"/>
-          </a:xfrm>
-          <a:prstGeom prst="rect">
-            <a:avLst/>
-          </a:prstGeom>
-          <a:noFill/>
-        </p:spPr>
-        <p:txBody>
-          <a:bodyPr wrap="none" rtlCol="0">
-            <a:spAutoFit/>
-          </a:bodyPr>
-          <a:lstStyle/>
-          <a:p>
-            <a:r>
-              <a:rPr lang="en-US" dirty="0" err="1"/>
-              <a:t>ssh</a:t>
-            </a:r>
-            <a:endParaRPr lang="en-US" dirty="0"/>
-          </a:p>
-        </p:txBody>
-      </p:sp>
-      <p:sp>
-        <p:nvSpPr>
-          <p:cNvPr id="51" name="TextBox 50">
-            <a:extLst>
-              <a:ext uri="{FF2B5EF4-FFF2-40B4-BE49-F238E27FC236}">
-                <a16:creationId xmlns:a16="http://schemas.microsoft.com/office/drawing/2014/main" id="{85BF7F7A-E540-7E40-D63E-9194FFD61CC6}"/>
-              </a:ext>
-            </a:extLst>
-          </p:cNvPr>
-          <p:cNvSpPr txBox="1"/>
-          <p:nvPr/>
-        </p:nvSpPr>
-        <p:spPr>
-          <a:xfrm>
-            <a:off x="6366581" y="364410"/>
-            <a:ext cx="1443087" cy="369332"/>
-          </a:xfrm>
-          <a:prstGeom prst="rect">
-            <a:avLst/>
-          </a:prstGeom>
-          <a:noFill/>
-        </p:spPr>
-        <p:txBody>
-          <a:bodyPr wrap="none" rtlCol="0">
-            <a:spAutoFit/>
-          </a:bodyPr>
-          <a:lstStyle/>
-          <a:p>
-            <a:r>
-              <a:rPr lang="en-US" dirty="0"/>
-              <a:t>https (future)</a:t>
-            </a:r>
-          </a:p>
-        </p:txBody>
-      </p:sp>
-      <p:sp>
-        <p:nvSpPr>
-          <p:cNvPr id="53" name="Up-Down Arrow 52">
-            <a:extLst>
-              <a:ext uri="{FF2B5EF4-FFF2-40B4-BE49-F238E27FC236}">
-                <a16:creationId xmlns:a16="http://schemas.microsoft.com/office/drawing/2014/main" id="{150E2183-5013-E6D3-B19E-CF91C915CCC9}"/>
-              </a:ext>
-            </a:extLst>
-          </p:cNvPr>
-          <p:cNvSpPr/>
-          <p:nvPr/>
-        </p:nvSpPr>
-        <p:spPr>
-          <a:xfrm>
-            <a:off x="9071190" y="1353934"/>
-            <a:ext cx="214565" cy="403033"/>
-          </a:xfrm>
-          <a:prstGeom prst="upDownArrow">
-            <a:avLst/>
-          </a:prstGeom>
-        </p:spPr>
-        <p:style>
-          <a:lnRef idx="2">
-            <a:schemeClr val="accent1">
-              <a:shade val="50000"/>
-            </a:schemeClr>
-          </a:lnRef>
-          <a:fillRef idx="1">
-            <a:schemeClr val="accent1"/>
-          </a:fillRef>
-          <a:effectRef idx="0">
-            <a:schemeClr val="accent1"/>
-          </a:effectRef>
-          <a:fontRef idx="minor">
-            <a:schemeClr val="lt1"/>
-          </a:fontRef>
-        </p:style>
-        <p:txBody>
-          <a:bodyPr rtlCol="0" anchor="ctr"/>
-          <a:lstStyle/>
-          <a:p>
-            <a:pPr algn="ctr"/>
-            <a:endParaRPr lang="en-US"/>
+              <a:t>Other clusters to be integrated</a:t>
+            </a:r>
           </a:p>
         </p:txBody>
       </p:sp>
